--- a/document/레퍼런스 이미지/1번마을예시/1번마을 디자인.pptx
+++ b/document/레퍼런스 이미지/1번마을예시/1번마을 디자인.pptx
@@ -9,6 +9,7 @@
     <p:sldId id="257" r:id="rId3"/>
     <p:sldId id="258" r:id="rId4"/>
     <p:sldId id="259" r:id="rId5"/>
+    <p:sldId id="261" r:id="rId6"/>
   </p:sldIdLst>
   <p:sldSz cx="12192000" cy="6858000"/>
   <p:notesSz cx="6858000" cy="9144000"/>
@@ -107,6 +108,11 @@
       </a:defRPr>
     </a:lvl9pPr>
   </p:defaultTextStyle>
+  <p:extLst>
+    <p:ext uri="{EFAFB233-063F-42B5-8137-9DF3F51BA10A}">
+      <p15:sldGuideLst xmlns:p15="http://schemas.microsoft.com/office/powerpoint/2012/main"/>
+    </p:ext>
+  </p:extLst>
 </p:presentation>
 </file>
 
@@ -257,7 +263,7 @@
           <a:p>
             <a:fld id="{6E324787-536B-4047-BBC1-57E1D7E0B846}" type="datetimeFigureOut">
               <a:rPr lang="ko-KR" altLang="en-US" smtClean="0"/>
-              <a:t>2022-11-07</a:t>
+              <a:t>2022-11-09</a:t>
             </a:fld>
             <a:endParaRPr lang="ko-KR" altLang="en-US"/>
           </a:p>
@@ -455,7 +461,7 @@
           <a:p>
             <a:fld id="{6E324787-536B-4047-BBC1-57E1D7E0B846}" type="datetimeFigureOut">
               <a:rPr lang="ko-KR" altLang="en-US" smtClean="0"/>
-              <a:t>2022-11-07</a:t>
+              <a:t>2022-11-09</a:t>
             </a:fld>
             <a:endParaRPr lang="ko-KR" altLang="en-US"/>
           </a:p>
@@ -663,7 +669,7 @@
           <a:p>
             <a:fld id="{6E324787-536B-4047-BBC1-57E1D7E0B846}" type="datetimeFigureOut">
               <a:rPr lang="ko-KR" altLang="en-US" smtClean="0"/>
-              <a:t>2022-11-07</a:t>
+              <a:t>2022-11-09</a:t>
             </a:fld>
             <a:endParaRPr lang="ko-KR" altLang="en-US"/>
           </a:p>
@@ -861,7 +867,7 @@
           <a:p>
             <a:fld id="{6E324787-536B-4047-BBC1-57E1D7E0B846}" type="datetimeFigureOut">
               <a:rPr lang="ko-KR" altLang="en-US" smtClean="0"/>
-              <a:t>2022-11-07</a:t>
+              <a:t>2022-11-09</a:t>
             </a:fld>
             <a:endParaRPr lang="ko-KR" altLang="en-US"/>
           </a:p>
@@ -1136,7 +1142,7 @@
           <a:p>
             <a:fld id="{6E324787-536B-4047-BBC1-57E1D7E0B846}" type="datetimeFigureOut">
               <a:rPr lang="ko-KR" altLang="en-US" smtClean="0"/>
-              <a:t>2022-11-07</a:t>
+              <a:t>2022-11-09</a:t>
             </a:fld>
             <a:endParaRPr lang="ko-KR" altLang="en-US"/>
           </a:p>
@@ -1401,7 +1407,7 @@
           <a:p>
             <a:fld id="{6E324787-536B-4047-BBC1-57E1D7E0B846}" type="datetimeFigureOut">
               <a:rPr lang="ko-KR" altLang="en-US" smtClean="0"/>
-              <a:t>2022-11-07</a:t>
+              <a:t>2022-11-09</a:t>
             </a:fld>
             <a:endParaRPr lang="ko-KR" altLang="en-US"/>
           </a:p>
@@ -1813,7 +1819,7 @@
           <a:p>
             <a:fld id="{6E324787-536B-4047-BBC1-57E1D7E0B846}" type="datetimeFigureOut">
               <a:rPr lang="ko-KR" altLang="en-US" smtClean="0"/>
-              <a:t>2022-11-07</a:t>
+              <a:t>2022-11-09</a:t>
             </a:fld>
             <a:endParaRPr lang="ko-KR" altLang="en-US"/>
           </a:p>
@@ -1954,7 +1960,7 @@
           <a:p>
             <a:fld id="{6E324787-536B-4047-BBC1-57E1D7E0B846}" type="datetimeFigureOut">
               <a:rPr lang="ko-KR" altLang="en-US" smtClean="0"/>
-              <a:t>2022-11-07</a:t>
+              <a:t>2022-11-09</a:t>
             </a:fld>
             <a:endParaRPr lang="ko-KR" altLang="en-US"/>
           </a:p>
@@ -2067,7 +2073,7 @@
           <a:p>
             <a:fld id="{6E324787-536B-4047-BBC1-57E1D7E0B846}" type="datetimeFigureOut">
               <a:rPr lang="ko-KR" altLang="en-US" smtClean="0"/>
-              <a:t>2022-11-07</a:t>
+              <a:t>2022-11-09</a:t>
             </a:fld>
             <a:endParaRPr lang="ko-KR" altLang="en-US"/>
           </a:p>
@@ -2378,7 +2384,7 @@
           <a:p>
             <a:fld id="{6E324787-536B-4047-BBC1-57E1D7E0B846}" type="datetimeFigureOut">
               <a:rPr lang="ko-KR" altLang="en-US" smtClean="0"/>
-              <a:t>2022-11-07</a:t>
+              <a:t>2022-11-09</a:t>
             </a:fld>
             <a:endParaRPr lang="ko-KR" altLang="en-US"/>
           </a:p>
@@ -2666,7 +2672,7 @@
           <a:p>
             <a:fld id="{6E324787-536B-4047-BBC1-57E1D7E0B846}" type="datetimeFigureOut">
               <a:rPr lang="ko-KR" altLang="en-US" smtClean="0"/>
-              <a:t>2022-11-07</a:t>
+              <a:t>2022-11-09</a:t>
             </a:fld>
             <a:endParaRPr lang="ko-KR" altLang="en-US"/>
           </a:p>
@@ -2907,7 +2913,7 @@
           <a:p>
             <a:fld id="{6E324787-536B-4047-BBC1-57E1D7E0B846}" type="datetimeFigureOut">
               <a:rPr lang="ko-KR" altLang="en-US" smtClean="0"/>
-              <a:t>2022-11-07</a:t>
+              <a:t>2022-11-09</a:t>
             </a:fld>
             <a:endParaRPr lang="ko-KR" altLang="en-US"/>
           </a:p>
@@ -3346,8 +3352,12 @@
           <a:lstStyle/>
           <a:p>
             <a:r>
+              <a:rPr lang="en-US" altLang="ko-KR" dirty="0"/>
+              <a:t>1</a:t>
+            </a:r>
+            <a:r>
               <a:rPr lang="ko-KR" altLang="en-US" dirty="0"/>
-              <a:t>마을 디자인</a:t>
+              <a:t>번 마을 디자인</a:t>
             </a:r>
           </a:p>
         </p:txBody>
@@ -4520,6 +4530,350 @@
     <p:extLst>
       <p:ext uri="{BB962C8B-B14F-4D97-AF65-F5344CB8AC3E}">
         <p14:creationId xmlns:p14="http://schemas.microsoft.com/office/powerpoint/2010/main" val="4141363770"/>
+      </p:ext>
+    </p:extLst>
+  </p:cSld>
+  <p:clrMapOvr>
+    <a:masterClrMapping/>
+  </p:clrMapOvr>
+</p:sld>
+</file>
+
+<file path=ppt/slides/slide5.xml><?xml version="1.0" encoding="utf-8"?>
+<p:sld xmlns:a="http://schemas.openxmlformats.org/drawingml/2006/main" xmlns:r="http://schemas.openxmlformats.org/officeDocument/2006/relationships" xmlns:p="http://schemas.openxmlformats.org/presentationml/2006/main">
+  <p:cSld>
+    <p:spTree>
+      <p:nvGrpSpPr>
+        <p:cNvPr id="1" name=""/>
+        <p:cNvGrpSpPr/>
+        <p:nvPr/>
+      </p:nvGrpSpPr>
+      <p:grpSpPr>
+        <a:xfrm>
+          <a:off x="0" y="0"/>
+          <a:ext cx="0" cy="0"/>
+          <a:chOff x="0" y="0"/>
+          <a:chExt cx="0" cy="0"/>
+        </a:xfrm>
+      </p:grpSpPr>
+      <p:sp>
+        <p:nvSpPr>
+          <p:cNvPr id="6" name="TextBox 5">
+            <a:extLst>
+              <a:ext uri="{FF2B5EF4-FFF2-40B4-BE49-F238E27FC236}">
+                <a16:creationId xmlns:a16="http://schemas.microsoft.com/office/drawing/2014/main" id="{A72CFEA8-C64F-FAA6-0326-F6AB62E1797A}"/>
+              </a:ext>
+            </a:extLst>
+          </p:cNvPr>
+          <p:cNvSpPr txBox="1"/>
+          <p:nvPr/>
+        </p:nvSpPr>
+        <p:spPr>
+          <a:xfrm>
+            <a:off x="167780" y="176169"/>
+            <a:ext cx="1261884" cy="523220"/>
+          </a:xfrm>
+          <a:prstGeom prst="rect">
+            <a:avLst/>
+          </a:prstGeom>
+          <a:noFill/>
+        </p:spPr>
+        <p:txBody>
+          <a:bodyPr wrap="none" rtlCol="0">
+            <a:spAutoFit/>
+          </a:bodyPr>
+          <a:lstStyle/>
+          <a:p>
+            <a:r>
+              <a:rPr lang="ko-KR" altLang="en-US" sz="2800" b="1" dirty="0"/>
+              <a:t>연구소</a:t>
+            </a:r>
+          </a:p>
+        </p:txBody>
+      </p:sp>
+      <p:pic>
+        <p:nvPicPr>
+          <p:cNvPr id="3" name="그림 2">
+            <a:extLst>
+              <a:ext uri="{FF2B5EF4-FFF2-40B4-BE49-F238E27FC236}">
+                <a16:creationId xmlns:a16="http://schemas.microsoft.com/office/drawing/2014/main" id="{03443DB9-3F60-6F63-3522-AE2A3573AF16}"/>
+              </a:ext>
+            </a:extLst>
+          </p:cNvPr>
+          <p:cNvPicPr>
+            <a:picLocks noChangeAspect="1"/>
+          </p:cNvPicPr>
+          <p:nvPr/>
+        </p:nvPicPr>
+        <p:blipFill>
+          <a:blip r:embed="rId2">
+            <a:extLst>
+              <a:ext uri="{28A0092B-C50C-407E-A947-70E740481C1C}">
+                <a14:useLocalDpi xmlns:a14="http://schemas.microsoft.com/office/drawing/2010/main" val="0"/>
+              </a:ext>
+            </a:extLst>
+          </a:blip>
+          <a:stretch>
+            <a:fillRect/>
+          </a:stretch>
+        </p:blipFill>
+        <p:spPr>
+          <a:xfrm>
+            <a:off x="522192" y="1275126"/>
+            <a:ext cx="5573808" cy="3712041"/>
+          </a:xfrm>
+          <a:prstGeom prst="rect">
+            <a:avLst/>
+          </a:prstGeom>
+        </p:spPr>
+      </p:pic>
+      <p:pic>
+        <p:nvPicPr>
+          <p:cNvPr id="5" name="그림 4">
+            <a:extLst>
+              <a:ext uri="{FF2B5EF4-FFF2-40B4-BE49-F238E27FC236}">
+                <a16:creationId xmlns:a16="http://schemas.microsoft.com/office/drawing/2014/main" id="{AD4C2CDD-313C-6046-68ED-38EC38F961D1}"/>
+              </a:ext>
+            </a:extLst>
+          </p:cNvPr>
+          <p:cNvPicPr>
+            <a:picLocks noChangeAspect="1"/>
+          </p:cNvPicPr>
+          <p:nvPr/>
+        </p:nvPicPr>
+        <p:blipFill>
+          <a:blip r:embed="rId3">
+            <a:extLst>
+              <a:ext uri="{28A0092B-C50C-407E-A947-70E740481C1C}">
+                <a14:useLocalDpi xmlns:a14="http://schemas.microsoft.com/office/drawing/2010/main" val="0"/>
+              </a:ext>
+            </a:extLst>
+          </a:blip>
+          <a:stretch>
+            <a:fillRect/>
+          </a:stretch>
+        </p:blipFill>
+        <p:spPr>
+          <a:xfrm>
+            <a:off x="6377680" y="1604328"/>
+            <a:ext cx="5432968" cy="3053636"/>
+          </a:xfrm>
+          <a:prstGeom prst="rect">
+            <a:avLst/>
+          </a:prstGeom>
+        </p:spPr>
+      </p:pic>
+      <p:sp>
+        <p:nvSpPr>
+          <p:cNvPr id="7" name="말풍선: 사각형 6">
+            <a:extLst>
+              <a:ext uri="{FF2B5EF4-FFF2-40B4-BE49-F238E27FC236}">
+                <a16:creationId xmlns:a16="http://schemas.microsoft.com/office/drawing/2014/main" id="{BB2A73A1-1AB7-42BF-43DD-5E06416D6E2D}"/>
+              </a:ext>
+            </a:extLst>
+          </p:cNvPr>
+          <p:cNvSpPr/>
+          <p:nvPr/>
+        </p:nvSpPr>
+        <p:spPr>
+          <a:xfrm>
+            <a:off x="889234" y="5250823"/>
+            <a:ext cx="3615655" cy="1049309"/>
+          </a:xfrm>
+          <a:prstGeom prst="wedgeRectCallout">
+            <a:avLst>
+              <a:gd name="adj1" fmla="val -19481"/>
+              <a:gd name="adj2" fmla="val -70724"/>
+            </a:avLst>
+          </a:prstGeom>
+          <a:solidFill>
+            <a:schemeClr val="tx2">
+              <a:lumMod val="40000"/>
+              <a:lumOff val="60000"/>
+            </a:schemeClr>
+          </a:solidFill>
+          <a:ln>
+            <a:noFill/>
+          </a:ln>
+        </p:spPr>
+        <p:style>
+          <a:lnRef idx="2">
+            <a:schemeClr val="accent1">
+              <a:shade val="50000"/>
+            </a:schemeClr>
+          </a:lnRef>
+          <a:fillRef idx="1">
+            <a:schemeClr val="accent1"/>
+          </a:fillRef>
+          <a:effectRef idx="0">
+            <a:schemeClr val="accent1"/>
+          </a:effectRef>
+          <a:fontRef idx="minor">
+            <a:schemeClr val="lt1"/>
+          </a:fontRef>
+        </p:style>
+        <p:txBody>
+          <a:bodyPr rtlCol="0" anchor="ctr"/>
+          <a:lstStyle/>
+          <a:p>
+            <a:pPr algn="ctr"/>
+            <a:r>
+              <a:rPr lang="ko-KR" altLang="en-US" sz="1200" dirty="0">
+                <a:solidFill>
+                  <a:schemeClr val="tx1"/>
+                </a:solidFill>
+              </a:rPr>
+              <a:t>유리로 만들어진 꽃 모양의 건물이다</a:t>
+            </a:r>
+            <a:r>
+              <a:rPr lang="en-US" altLang="ko-KR" sz="1200" dirty="0">
+                <a:solidFill>
+                  <a:schemeClr val="tx1"/>
+                </a:solidFill>
+              </a:rPr>
+              <a:t>.</a:t>
+            </a:r>
+          </a:p>
+          <a:p>
+            <a:pPr algn="ctr"/>
+            <a:r>
+              <a:rPr lang="ko-KR" altLang="en-US" sz="1200" dirty="0">
+                <a:solidFill>
+                  <a:schemeClr val="tx1"/>
+                </a:solidFill>
+              </a:rPr>
+              <a:t>연구소 주변에 여러 식물들이 자라고 있음</a:t>
+            </a:r>
+            <a:endParaRPr lang="en-US" altLang="ko-KR" sz="1200" dirty="0">
+              <a:solidFill>
+                <a:schemeClr val="tx1"/>
+              </a:solidFill>
+            </a:endParaRPr>
+          </a:p>
+          <a:p>
+            <a:pPr algn="ctr"/>
+            <a:r>
+              <a:rPr lang="ko-KR" altLang="en-US" sz="1200" dirty="0">
+                <a:solidFill>
+                  <a:schemeClr val="tx1"/>
+                </a:solidFill>
+              </a:rPr>
+              <a:t>유리창 너머로 안이 잘 보이지 않는 유리</a:t>
+            </a:r>
+            <a:endParaRPr lang="en-US" altLang="ko-KR" sz="1200" dirty="0">
+              <a:solidFill>
+                <a:schemeClr val="tx1"/>
+              </a:solidFill>
+            </a:endParaRPr>
+          </a:p>
+        </p:txBody>
+      </p:sp>
+      <p:sp>
+        <p:nvSpPr>
+          <p:cNvPr id="8" name="말풍선: 사각형 7">
+            <a:extLst>
+              <a:ext uri="{FF2B5EF4-FFF2-40B4-BE49-F238E27FC236}">
+                <a16:creationId xmlns:a16="http://schemas.microsoft.com/office/drawing/2014/main" id="{8EAC611B-2032-B003-CF27-A0E154744A82}"/>
+              </a:ext>
+            </a:extLst>
+          </p:cNvPr>
+          <p:cNvSpPr/>
+          <p:nvPr/>
+        </p:nvSpPr>
+        <p:spPr>
+          <a:xfrm>
+            <a:off x="7286336" y="5250823"/>
+            <a:ext cx="3615655" cy="1049309"/>
+          </a:xfrm>
+          <a:prstGeom prst="wedgeRectCallout">
+            <a:avLst>
+              <a:gd name="adj1" fmla="val -19481"/>
+              <a:gd name="adj2" fmla="val -70724"/>
+            </a:avLst>
+          </a:prstGeom>
+          <a:solidFill>
+            <a:schemeClr val="tx2">
+              <a:lumMod val="40000"/>
+              <a:lumOff val="60000"/>
+            </a:schemeClr>
+          </a:solidFill>
+          <a:ln>
+            <a:noFill/>
+          </a:ln>
+        </p:spPr>
+        <p:style>
+          <a:lnRef idx="2">
+            <a:schemeClr val="accent1">
+              <a:shade val="50000"/>
+            </a:schemeClr>
+          </a:lnRef>
+          <a:fillRef idx="1">
+            <a:schemeClr val="accent1"/>
+          </a:fillRef>
+          <a:effectRef idx="0">
+            <a:schemeClr val="accent1"/>
+          </a:effectRef>
+          <a:fontRef idx="minor">
+            <a:schemeClr val="lt1"/>
+          </a:fontRef>
+        </p:style>
+        <p:txBody>
+          <a:bodyPr rtlCol="0" anchor="ctr"/>
+          <a:lstStyle/>
+          <a:p>
+            <a:pPr algn="ctr"/>
+            <a:r>
+              <a:rPr lang="ko-KR" altLang="en-US" sz="1200" dirty="0">
+                <a:solidFill>
+                  <a:schemeClr val="tx1"/>
+                </a:solidFill>
+              </a:rPr>
+              <a:t>내부는 식물과 관련된 연구를 진행하고 있음</a:t>
+            </a:r>
+            <a:endParaRPr lang="en-US" altLang="ko-KR" sz="1200" dirty="0">
+              <a:solidFill>
+                <a:schemeClr val="tx1"/>
+              </a:solidFill>
+            </a:endParaRPr>
+          </a:p>
+          <a:p>
+            <a:pPr algn="ctr"/>
+            <a:r>
+              <a:rPr lang="ko-KR" altLang="en-US" sz="1200" dirty="0">
+                <a:solidFill>
+                  <a:schemeClr val="tx1"/>
+                </a:solidFill>
+              </a:rPr>
+              <a:t>연금술을 연구하는 연구실 느낌</a:t>
+            </a:r>
+            <a:endParaRPr lang="en-US" altLang="ko-KR" sz="1200" dirty="0">
+              <a:solidFill>
+                <a:schemeClr val="tx1"/>
+              </a:solidFill>
+            </a:endParaRPr>
+          </a:p>
+          <a:p>
+            <a:pPr algn="ctr"/>
+            <a:r>
+              <a:rPr lang="ko-KR" altLang="en-US" sz="1200" dirty="0">
+                <a:solidFill>
+                  <a:schemeClr val="tx1"/>
+                </a:solidFill>
+              </a:rPr>
+              <a:t>식물들이 많이 있는 모습</a:t>
+            </a:r>
+            <a:endParaRPr lang="en-US" altLang="ko-KR" sz="1200" dirty="0">
+              <a:solidFill>
+                <a:schemeClr val="tx1"/>
+              </a:solidFill>
+            </a:endParaRPr>
+          </a:p>
+        </p:txBody>
+      </p:sp>
+    </p:spTree>
+    <p:extLst>
+      <p:ext uri="{BB962C8B-B14F-4D97-AF65-F5344CB8AC3E}">
+        <p14:creationId xmlns:p14="http://schemas.microsoft.com/office/powerpoint/2010/main" val="549154298"/>
       </p:ext>
     </p:extLst>
   </p:cSld>
